--- a/docs/Row store vs column store.pptx
+++ b/docs/Row store vs column store.pptx
@@ -6,34 +6,17 @@
     <p:sldMasterId id="2147483779" r:id="rId5"/>
   </p:sldMasterIdLst>
   <p:notesMasterIdLst>
-    <p:notesMasterId r:id="rId28"/>
+    <p:notesMasterId r:id="rId11"/>
   </p:notesMasterIdLst>
   <p:handoutMasterIdLst>
-    <p:handoutMasterId r:id="rId29"/>
+    <p:handoutMasterId r:id="rId12"/>
   </p:handoutMasterIdLst>
   <p:sldIdLst>
     <p:sldId id="279" r:id="rId6"/>
     <p:sldId id="280" r:id="rId7"/>
     <p:sldId id="282" r:id="rId8"/>
     <p:sldId id="283" r:id="rId9"/>
-    <p:sldId id="284" r:id="rId10"/>
-    <p:sldId id="289" r:id="rId11"/>
-    <p:sldId id="285" r:id="rId12"/>
-    <p:sldId id="286" r:id="rId13"/>
-    <p:sldId id="287" r:id="rId14"/>
-    <p:sldId id="288" r:id="rId15"/>
-    <p:sldId id="290" r:id="rId16"/>
-    <p:sldId id="291" r:id="rId17"/>
-    <p:sldId id="292" r:id="rId18"/>
-    <p:sldId id="296" r:id="rId19"/>
-    <p:sldId id="275" r:id="rId20"/>
-    <p:sldId id="276" r:id="rId21"/>
-    <p:sldId id="277" r:id="rId22"/>
-    <p:sldId id="278" r:id="rId23"/>
-    <p:sldId id="293" r:id="rId24"/>
-    <p:sldId id="294" r:id="rId25"/>
-    <p:sldId id="281" r:id="rId26"/>
-    <p:sldId id="295" r:id="rId27"/>
+    <p:sldId id="290" r:id="rId10"/>
   </p:sldIdLst>
   <p:sldSz cx="9144000" cy="6858000" type="screen4x3"/>
   <p:notesSz cx="7315200" cy="9601200"/>
@@ -233,7 +216,7 @@
                   <a:schemeClr val="accent1"/>
                 </a:solidFill>
               </a:rPr>
-              <a:t>10/16/2019</a:t>
+              <a:t>10/17/2019</a:t>
             </a:fld>
             <a:endParaRPr lang="en-US" sz="900" dirty="0">
               <a:solidFill>
@@ -481,7 +464,7 @@
             <a:fld id="{5109D85C-6806-4601-8914-E6B5119FB4C2}" type="datetimeFigureOut">
               <a:rPr lang="en-US" smtClean="0"/>
               <a:pPr/>
-              <a:t>10/16/2019</a:t>
+              <a:t>10/17/2019</a:t>
             </a:fld>
             <a:endParaRPr lang="en-US" dirty="0"/>
           </a:p>
@@ -1215,7 +1198,7 @@
           <a:p>
             <a:fld id="{9239D14D-A7D8-427F-8D62-8808716C1DB9}" type="datetimeFigureOut">
               <a:rPr lang="en-US" smtClean="0"/>
-              <a:t>10/16/2019</a:t>
+              <a:t>10/17/2019</a:t>
             </a:fld>
             <a:endParaRPr lang="en-US"/>
           </a:p>
@@ -2251,7 +2234,7 @@
           <a:p>
             <a:fld id="{9239D14D-A7D8-427F-8D62-8808716C1DB9}" type="datetimeFigureOut">
               <a:rPr lang="en-US" smtClean="0"/>
-              <a:t>10/16/2019</a:t>
+              <a:t>10/17/2019</a:t>
             </a:fld>
             <a:endParaRPr lang="en-US"/>
           </a:p>
@@ -2378,7 +2361,7 @@
           <a:p>
             <a:fld id="{9239D14D-A7D8-427F-8D62-8808716C1DB9}" type="datetimeFigureOut">
               <a:rPr lang="en-US" smtClean="0"/>
-              <a:t>10/16/2019</a:t>
+              <a:t>10/17/2019</a:t>
             </a:fld>
             <a:endParaRPr lang="en-US"/>
           </a:p>
@@ -6938,7 +6921,7 @@
             <a:fld id="{9239D14D-A7D8-427F-8D62-8808716C1DB9}" type="datetimeFigureOut">
               <a:rPr lang="en-US" smtClean="0"/>
               <a:pPr/>
-              <a:t>10/16/2019</a:t>
+              <a:t>10/17/2019</a:t>
             </a:fld>
             <a:endParaRPr lang="en-US" dirty="0"/>
           </a:p>
@@ -7277,7 +7260,7 @@
             <a:fld id="{9239D14D-A7D8-427F-8D62-8808716C1DB9}" type="datetimeFigureOut">
               <a:rPr lang="en-US" smtClean="0"/>
               <a:pPr/>
-              <a:t>10/16/2019</a:t>
+              <a:t>10/17/2019</a:t>
             </a:fld>
             <a:endParaRPr lang="en-US" dirty="0"/>
           </a:p>
@@ -8023,7 +8006,7 @@
           <a:p>
             <a:fld id="{9239D14D-A7D8-427F-8D62-8808716C1DB9}" type="datetimeFigureOut">
               <a:rPr lang="en-US" smtClean="0"/>
-              <a:t>10/16/2019</a:t>
+              <a:t>10/17/2019</a:t>
             </a:fld>
             <a:endParaRPr lang="en-US"/>
           </a:p>
@@ -8245,7 +8228,7 @@
             <a:fld id="{9239D14D-A7D8-427F-8D62-8808716C1DB9}" type="datetimeFigureOut">
               <a:rPr lang="en-US" smtClean="0"/>
               <a:pPr/>
-              <a:t>10/16/2019</a:t>
+              <a:t>10/17/2019</a:t>
             </a:fld>
             <a:endParaRPr lang="en-US" dirty="0"/>
           </a:p>
@@ -8891,7 +8874,7 @@
             <a:fld id="{9239D14D-A7D8-427F-8D62-8808716C1DB9}" type="datetimeFigureOut">
               <a:rPr lang="en-US" smtClean="0"/>
               <a:pPr/>
-              <a:t>10/16/2019</a:t>
+              <a:t>10/17/2019</a:t>
             </a:fld>
             <a:endParaRPr lang="en-US" dirty="0"/>
           </a:p>
@@ -9588,1206 +9571,6 @@
 </p:sld>
 </file>
 
-<file path=ppt/slides/slide10.xml><?xml version="1.0" encoding="utf-8"?>
-<p:sld xmlns:a="http://schemas.openxmlformats.org/drawingml/2006/main" xmlns:r="http://schemas.openxmlformats.org/officeDocument/2006/relationships" xmlns:p="http://schemas.openxmlformats.org/presentationml/2006/main">
-  <p:cSld>
-    <p:spTree>
-      <p:nvGrpSpPr>
-        <p:cNvPr id="1" name=""/>
-        <p:cNvGrpSpPr/>
-        <p:nvPr/>
-      </p:nvGrpSpPr>
-      <p:grpSpPr>
-        <a:xfrm>
-          <a:off x="0" y="0"/>
-          <a:ext cx="0" cy="0"/>
-          <a:chOff x="0" y="0"/>
-          <a:chExt cx="0" cy="0"/>
-        </a:xfrm>
-      </p:grpSpPr>
-      <p:sp>
-        <p:nvSpPr>
-          <p:cNvPr id="2" name="Title 1">
-            <a:extLst>
-              <a:ext uri="{FF2B5EF4-FFF2-40B4-BE49-F238E27FC236}">
-                <a16:creationId xmlns:a16="http://schemas.microsoft.com/office/drawing/2014/main" id="{B6E787CD-8900-4781-B56F-0E4327E55DD7}"/>
-              </a:ext>
-            </a:extLst>
-          </p:cNvPr>
-          <p:cNvSpPr>
-            <a:spLocks noGrp="1"/>
-          </p:cNvSpPr>
-          <p:nvPr>
-            <p:ph type="title"/>
-          </p:nvPr>
-        </p:nvSpPr>
-        <p:spPr/>
-        <p:txBody>
-          <a:bodyPr/>
-          <a:lstStyle/>
-          <a:p>
-            <a:r>
-              <a:rPr lang="en-US" dirty="0"/>
-              <a:t>QUERYING SEMI-Structured data</a:t>
-            </a:r>
-          </a:p>
-        </p:txBody>
-      </p:sp>
-      <p:sp>
-        <p:nvSpPr>
-          <p:cNvPr id="7" name="Content Placeholder 6">
-            <a:extLst>
-              <a:ext uri="{FF2B5EF4-FFF2-40B4-BE49-F238E27FC236}">
-                <a16:creationId xmlns:a16="http://schemas.microsoft.com/office/drawing/2014/main" id="{77CE80C9-F156-444A-A5EF-9FD12F0E4770}"/>
-              </a:ext>
-            </a:extLst>
-          </p:cNvPr>
-          <p:cNvSpPr>
-            <a:spLocks noGrp="1"/>
-          </p:cNvSpPr>
-          <p:nvPr>
-            <p:ph idx="1"/>
-          </p:nvPr>
-        </p:nvSpPr>
-        <p:spPr>
-          <a:xfrm>
-            <a:off x="228600" y="1306047"/>
-            <a:ext cx="8686800" cy="5212080"/>
-          </a:xfrm>
-        </p:spPr>
-        <p:txBody>
-          <a:bodyPr>
-            <a:normAutofit/>
-          </a:bodyPr>
-          <a:lstStyle/>
-          <a:p>
-            <a:pPr marL="342900" indent="-342900">
-              <a:buFont typeface="Arial" panose="020B0604020202020204" pitchFamily="34" charset="0"/>
-              <a:buChar char="•"/>
-            </a:pPr>
-            <a:endParaRPr lang="en-US" dirty="0"/>
-          </a:p>
-        </p:txBody>
-      </p:sp>
-    </p:spTree>
-    <p:extLst>
-      <p:ext uri="{BB962C8B-B14F-4D97-AF65-F5344CB8AC3E}">
-        <p14:creationId xmlns:p14="http://schemas.microsoft.com/office/powerpoint/2010/main" val="3019799904"/>
-      </p:ext>
-    </p:extLst>
-  </p:cSld>
-  <p:clrMapOvr>
-    <a:masterClrMapping/>
-  </p:clrMapOvr>
-</p:sld>
-</file>
-
-<file path=ppt/slides/slide11.xml><?xml version="1.0" encoding="utf-8"?>
-<p:sld xmlns:a="http://schemas.openxmlformats.org/drawingml/2006/main" xmlns:r="http://schemas.openxmlformats.org/officeDocument/2006/relationships" xmlns:p="http://schemas.openxmlformats.org/presentationml/2006/main">
-  <p:cSld>
-    <p:spTree>
-      <p:nvGrpSpPr>
-        <p:cNvPr id="1" name=""/>
-        <p:cNvGrpSpPr/>
-        <p:nvPr/>
-      </p:nvGrpSpPr>
-      <p:grpSpPr>
-        <a:xfrm>
-          <a:off x="0" y="0"/>
-          <a:ext cx="0" cy="0"/>
-          <a:chOff x="0" y="0"/>
-          <a:chExt cx="0" cy="0"/>
-        </a:xfrm>
-      </p:grpSpPr>
-      <p:sp>
-        <p:nvSpPr>
-          <p:cNvPr id="2" name="Title 1">
-            <a:extLst>
-              <a:ext uri="{FF2B5EF4-FFF2-40B4-BE49-F238E27FC236}">
-                <a16:creationId xmlns:a16="http://schemas.microsoft.com/office/drawing/2014/main" id="{B6E787CD-8900-4781-B56F-0E4327E55DD7}"/>
-              </a:ext>
-            </a:extLst>
-          </p:cNvPr>
-          <p:cNvSpPr>
-            <a:spLocks noGrp="1"/>
-          </p:cNvSpPr>
-          <p:nvPr>
-            <p:ph type="title"/>
-          </p:nvPr>
-        </p:nvSpPr>
-        <p:spPr/>
-        <p:txBody>
-          <a:bodyPr/>
-          <a:lstStyle/>
-          <a:p>
-            <a:r>
-              <a:rPr lang="en-US" dirty="0"/>
-              <a:t>EXTRACT, TRANSFORM, LOAD</a:t>
-            </a:r>
-          </a:p>
-        </p:txBody>
-      </p:sp>
-      <p:sp>
-        <p:nvSpPr>
-          <p:cNvPr id="7" name="Content Placeholder 6">
-            <a:extLst>
-              <a:ext uri="{FF2B5EF4-FFF2-40B4-BE49-F238E27FC236}">
-                <a16:creationId xmlns:a16="http://schemas.microsoft.com/office/drawing/2014/main" id="{77CE80C9-F156-444A-A5EF-9FD12F0E4770}"/>
-              </a:ext>
-            </a:extLst>
-          </p:cNvPr>
-          <p:cNvSpPr>
-            <a:spLocks noGrp="1"/>
-          </p:cNvSpPr>
-          <p:nvPr>
-            <p:ph idx="1"/>
-          </p:nvPr>
-        </p:nvSpPr>
-        <p:spPr>
-          <a:xfrm>
-            <a:off x="228600" y="1306047"/>
-            <a:ext cx="8686800" cy="5212080"/>
-          </a:xfrm>
-        </p:spPr>
-        <p:txBody>
-          <a:bodyPr>
-            <a:normAutofit/>
-          </a:bodyPr>
-          <a:lstStyle/>
-          <a:p>
-            <a:pPr marL="342900" indent="-342900">
-              <a:buFont typeface="Arial" panose="020B0604020202020204" pitchFamily="34" charset="0"/>
-              <a:buChar char="•"/>
-            </a:pPr>
-            <a:r>
-              <a:rPr lang="en-US" dirty="0"/>
-              <a:t>Snowflake’s performance, ability to handle semi-structured types, and distinct storage and compute make it distinctly suitable for following an ELT pattern.</a:t>
-            </a:r>
-          </a:p>
-          <a:p>
-            <a:pPr marL="342900" indent="-342900">
-              <a:buFont typeface="Arial" panose="020B0604020202020204" pitchFamily="34" charset="0"/>
-              <a:buChar char="•"/>
-            </a:pPr>
-            <a:r>
-              <a:rPr lang="en-US" dirty="0"/>
-              <a:t>This means that virtually all of your data work can be handled on the database engine using SQL.</a:t>
-            </a:r>
-          </a:p>
-          <a:p>
-            <a:pPr marL="342900" indent="-342900">
-              <a:buFont typeface="Arial" panose="020B0604020202020204" pitchFamily="34" charset="0"/>
-              <a:buChar char="•"/>
-            </a:pPr>
-            <a:r>
-              <a:rPr lang="en-US" dirty="0"/>
-              <a:t>A wide range of data integration tools support Snowflake.</a:t>
-            </a:r>
-          </a:p>
-          <a:p>
-            <a:pPr marL="342900" indent="-342900">
-              <a:buFont typeface="Arial" panose="020B0604020202020204" pitchFamily="34" charset="0"/>
-              <a:buChar char="•"/>
-            </a:pPr>
-            <a:r>
-              <a:rPr lang="en-US" dirty="0"/>
-              <a:t>Any tool that supports connections via ODBC/JDBC can be used.</a:t>
-            </a:r>
-          </a:p>
-        </p:txBody>
-      </p:sp>
-    </p:spTree>
-    <p:extLst>
-      <p:ext uri="{BB962C8B-B14F-4D97-AF65-F5344CB8AC3E}">
-        <p14:creationId xmlns:p14="http://schemas.microsoft.com/office/powerpoint/2010/main" val="3872155874"/>
-      </p:ext>
-    </p:extLst>
-  </p:cSld>
-  <p:clrMapOvr>
-    <a:masterClrMapping/>
-  </p:clrMapOvr>
-</p:sld>
-</file>
-
-<file path=ppt/slides/slide12.xml><?xml version="1.0" encoding="utf-8"?>
-<p:sld xmlns:a="http://schemas.openxmlformats.org/drawingml/2006/main" xmlns:r="http://schemas.openxmlformats.org/officeDocument/2006/relationships" xmlns:p="http://schemas.openxmlformats.org/presentationml/2006/main">
-  <p:cSld>
-    <p:spTree>
-      <p:nvGrpSpPr>
-        <p:cNvPr id="1" name=""/>
-        <p:cNvGrpSpPr/>
-        <p:nvPr/>
-      </p:nvGrpSpPr>
-      <p:grpSpPr>
-        <a:xfrm>
-          <a:off x="0" y="0"/>
-          <a:ext cx="0" cy="0"/>
-          <a:chOff x="0" y="0"/>
-          <a:chExt cx="0" cy="0"/>
-        </a:xfrm>
-      </p:grpSpPr>
-      <p:sp>
-        <p:nvSpPr>
-          <p:cNvPr id="2" name="Title 1">
-            <a:extLst>
-              <a:ext uri="{FF2B5EF4-FFF2-40B4-BE49-F238E27FC236}">
-                <a16:creationId xmlns:a16="http://schemas.microsoft.com/office/drawing/2014/main" id="{B6E787CD-8900-4781-B56F-0E4327E55DD7}"/>
-              </a:ext>
-            </a:extLst>
-          </p:cNvPr>
-          <p:cNvSpPr>
-            <a:spLocks noGrp="1"/>
-          </p:cNvSpPr>
-          <p:nvPr>
-            <p:ph type="title"/>
-          </p:nvPr>
-        </p:nvSpPr>
-        <p:spPr/>
-        <p:txBody>
-          <a:bodyPr/>
-          <a:lstStyle/>
-          <a:p>
-            <a:r>
-              <a:rPr lang="en-US" dirty="0"/>
-              <a:t>An example using </a:t>
-            </a:r>
-            <a:r>
-              <a:rPr lang="en-US" dirty="0" err="1"/>
-              <a:t>dbt</a:t>
-            </a:r>
-            <a:endParaRPr lang="en-US" dirty="0"/>
-          </a:p>
-        </p:txBody>
-      </p:sp>
-      <p:sp>
-        <p:nvSpPr>
-          <p:cNvPr id="7" name="Content Placeholder 6">
-            <a:extLst>
-              <a:ext uri="{FF2B5EF4-FFF2-40B4-BE49-F238E27FC236}">
-                <a16:creationId xmlns:a16="http://schemas.microsoft.com/office/drawing/2014/main" id="{77CE80C9-F156-444A-A5EF-9FD12F0E4770}"/>
-              </a:ext>
-            </a:extLst>
-          </p:cNvPr>
-          <p:cNvSpPr>
-            <a:spLocks noGrp="1"/>
-          </p:cNvSpPr>
-          <p:nvPr>
-            <p:ph idx="1"/>
-          </p:nvPr>
-        </p:nvSpPr>
-        <p:spPr>
-          <a:xfrm>
-            <a:off x="228600" y="1306047"/>
-            <a:ext cx="8686800" cy="5212080"/>
-          </a:xfrm>
-        </p:spPr>
-        <p:txBody>
-          <a:bodyPr>
-            <a:normAutofit/>
-          </a:bodyPr>
-          <a:lstStyle/>
-          <a:p>
-            <a:pPr marL="342900" indent="-342900">
-              <a:buFont typeface="Arial" panose="020B0604020202020204" pitchFamily="34" charset="0"/>
-              <a:buChar char="•"/>
-            </a:pPr>
-            <a:endParaRPr lang="en-US" dirty="0"/>
-          </a:p>
-        </p:txBody>
-      </p:sp>
-    </p:spTree>
-    <p:extLst>
-      <p:ext uri="{BB962C8B-B14F-4D97-AF65-F5344CB8AC3E}">
-        <p14:creationId xmlns:p14="http://schemas.microsoft.com/office/powerpoint/2010/main" val="3628510110"/>
-      </p:ext>
-    </p:extLst>
-  </p:cSld>
-  <p:clrMapOvr>
-    <a:masterClrMapping/>
-  </p:clrMapOvr>
-</p:sld>
-</file>
-
-<file path=ppt/slides/slide13.xml><?xml version="1.0" encoding="utf-8"?>
-<p:sld xmlns:a="http://schemas.openxmlformats.org/drawingml/2006/main" xmlns:r="http://schemas.openxmlformats.org/officeDocument/2006/relationships" xmlns:p="http://schemas.openxmlformats.org/presentationml/2006/main">
-  <p:cSld>
-    <p:spTree>
-      <p:nvGrpSpPr>
-        <p:cNvPr id="1" name=""/>
-        <p:cNvGrpSpPr/>
-        <p:nvPr/>
-      </p:nvGrpSpPr>
-      <p:grpSpPr>
-        <a:xfrm>
-          <a:off x="0" y="0"/>
-          <a:ext cx="0" cy="0"/>
-          <a:chOff x="0" y="0"/>
-          <a:chExt cx="0" cy="0"/>
-        </a:xfrm>
-      </p:grpSpPr>
-      <p:sp>
-        <p:nvSpPr>
-          <p:cNvPr id="2" name="Title 1">
-            <a:extLst>
-              <a:ext uri="{FF2B5EF4-FFF2-40B4-BE49-F238E27FC236}">
-                <a16:creationId xmlns:a16="http://schemas.microsoft.com/office/drawing/2014/main" id="{B6E787CD-8900-4781-B56F-0E4327E55DD7}"/>
-              </a:ext>
-            </a:extLst>
-          </p:cNvPr>
-          <p:cNvSpPr>
-            <a:spLocks noGrp="1"/>
-          </p:cNvSpPr>
-          <p:nvPr>
-            <p:ph type="title"/>
-          </p:nvPr>
-        </p:nvSpPr>
-        <p:spPr/>
-        <p:txBody>
-          <a:bodyPr/>
-          <a:lstStyle/>
-          <a:p>
-            <a:r>
-              <a:rPr lang="en-US" dirty="0"/>
-              <a:t>Data visualization</a:t>
-            </a:r>
-          </a:p>
-        </p:txBody>
-      </p:sp>
-      <p:sp>
-        <p:nvSpPr>
-          <p:cNvPr id="7" name="Content Placeholder 6">
-            <a:extLst>
-              <a:ext uri="{FF2B5EF4-FFF2-40B4-BE49-F238E27FC236}">
-                <a16:creationId xmlns:a16="http://schemas.microsoft.com/office/drawing/2014/main" id="{77CE80C9-F156-444A-A5EF-9FD12F0E4770}"/>
-              </a:ext>
-            </a:extLst>
-          </p:cNvPr>
-          <p:cNvSpPr>
-            <a:spLocks noGrp="1"/>
-          </p:cNvSpPr>
-          <p:nvPr>
-            <p:ph idx="1"/>
-          </p:nvPr>
-        </p:nvSpPr>
-        <p:spPr>
-          <a:xfrm>
-            <a:off x="228600" y="1306047"/>
-            <a:ext cx="8686800" cy="5212080"/>
-          </a:xfrm>
-        </p:spPr>
-        <p:txBody>
-          <a:bodyPr>
-            <a:normAutofit/>
-          </a:bodyPr>
-          <a:lstStyle/>
-          <a:p>
-            <a:pPr marL="342900" indent="-342900">
-              <a:buFont typeface="Arial" panose="020B0604020202020204" pitchFamily="34" charset="0"/>
-              <a:buChar char="•"/>
-            </a:pPr>
-            <a:endParaRPr lang="en-US" dirty="0"/>
-          </a:p>
-        </p:txBody>
-      </p:sp>
-    </p:spTree>
-    <p:extLst>
-      <p:ext uri="{BB962C8B-B14F-4D97-AF65-F5344CB8AC3E}">
-        <p14:creationId xmlns:p14="http://schemas.microsoft.com/office/powerpoint/2010/main" val="160708372"/>
-      </p:ext>
-    </p:extLst>
-  </p:cSld>
-  <p:clrMapOvr>
-    <a:masterClrMapping/>
-  </p:clrMapOvr>
-</p:sld>
-</file>
-
-<file path=ppt/slides/slide14.xml><?xml version="1.0" encoding="utf-8"?>
-<p:sld xmlns:a="http://schemas.openxmlformats.org/drawingml/2006/main" xmlns:r="http://schemas.openxmlformats.org/officeDocument/2006/relationships" xmlns:p="http://schemas.openxmlformats.org/presentationml/2006/main">
-  <p:cSld>
-    <p:spTree>
-      <p:nvGrpSpPr>
-        <p:cNvPr id="1" name=""/>
-        <p:cNvGrpSpPr/>
-        <p:nvPr/>
-      </p:nvGrpSpPr>
-      <p:grpSpPr>
-        <a:xfrm>
-          <a:off x="0" y="0"/>
-          <a:ext cx="0" cy="0"/>
-          <a:chOff x="0" y="0"/>
-          <a:chExt cx="0" cy="0"/>
-        </a:xfrm>
-      </p:grpSpPr>
-      <p:sp>
-        <p:nvSpPr>
-          <p:cNvPr id="4" name="Title 3">
-            <a:extLst>
-              <a:ext uri="{FF2B5EF4-FFF2-40B4-BE49-F238E27FC236}">
-                <a16:creationId xmlns:a16="http://schemas.microsoft.com/office/drawing/2014/main" id="{FDD92F00-19C4-49CE-8DD7-56BE2A221788}"/>
-              </a:ext>
-            </a:extLst>
-          </p:cNvPr>
-          <p:cNvSpPr>
-            <a:spLocks noGrp="1"/>
-          </p:cNvSpPr>
-          <p:nvPr>
-            <p:ph type="title"/>
-          </p:nvPr>
-        </p:nvSpPr>
-        <p:spPr/>
-        <p:txBody>
-          <a:bodyPr/>
-          <a:lstStyle/>
-          <a:p>
-            <a:r>
-              <a:rPr lang="en-US" dirty="0"/>
-              <a:t>From joint notes</a:t>
-            </a:r>
-          </a:p>
-        </p:txBody>
-      </p:sp>
-    </p:spTree>
-    <p:extLst>
-      <p:ext uri="{BB962C8B-B14F-4D97-AF65-F5344CB8AC3E}">
-        <p14:creationId xmlns:p14="http://schemas.microsoft.com/office/powerpoint/2010/main" val="2705985778"/>
-      </p:ext>
-    </p:extLst>
-  </p:cSld>
-  <p:clrMapOvr>
-    <a:masterClrMapping/>
-  </p:clrMapOvr>
-</p:sld>
-</file>
-
-<file path=ppt/slides/slide15.xml><?xml version="1.0" encoding="utf-8"?>
-<p:sld xmlns:a="http://schemas.openxmlformats.org/drawingml/2006/main" xmlns:r="http://schemas.openxmlformats.org/officeDocument/2006/relationships" xmlns:p="http://schemas.openxmlformats.org/presentationml/2006/main">
-  <p:cSld>
-    <p:spTree>
-      <p:nvGrpSpPr>
-        <p:cNvPr id="1" name=""/>
-        <p:cNvGrpSpPr/>
-        <p:nvPr/>
-      </p:nvGrpSpPr>
-      <p:grpSpPr>
-        <a:xfrm>
-          <a:off x="0" y="0"/>
-          <a:ext cx="0" cy="0"/>
-          <a:chOff x="0" y="0"/>
-          <a:chExt cx="0" cy="0"/>
-        </a:xfrm>
-      </p:grpSpPr>
-      <p:sp>
-        <p:nvSpPr>
-          <p:cNvPr id="4" name="Text Placeholder 3">
-            <a:extLst>
-              <a:ext uri="{FF2B5EF4-FFF2-40B4-BE49-F238E27FC236}">
-                <a16:creationId xmlns:a16="http://schemas.microsoft.com/office/drawing/2014/main" id="{F40CEAA8-73FD-48B3-A440-C08F2A0BFBD2}"/>
-              </a:ext>
-            </a:extLst>
-          </p:cNvPr>
-          <p:cNvSpPr>
-            <a:spLocks noGrp="1"/>
-          </p:cNvSpPr>
-          <p:nvPr>
-            <p:ph type="body" idx="4294967295"/>
-          </p:nvPr>
-        </p:nvSpPr>
-        <p:spPr>
-          <a:xfrm>
-            <a:off x="560388" y="1323975"/>
-            <a:ext cx="8583612" cy="5046663"/>
-          </a:xfrm>
-        </p:spPr>
-        <p:txBody>
-          <a:bodyPr/>
-          <a:lstStyle/>
-          <a:p>
-            <a:pPr lvl="0"/>
-            <a:endParaRPr lang="en-US" sz="1200" dirty="0"/>
-          </a:p>
-          <a:p>
-            <a:pPr lvl="1"/>
-            <a:r>
-              <a:rPr lang="en-US" dirty="0"/>
-              <a:t>Login and tab through the different interface elements</a:t>
-            </a:r>
-            <a:endParaRPr lang="en-US" sz="1100" dirty="0"/>
-          </a:p>
-          <a:p>
-            <a:pPr lvl="1"/>
-            <a:r>
-              <a:rPr lang="en-US" dirty="0"/>
-              <a:t>Create a Warehouse</a:t>
-            </a:r>
-            <a:endParaRPr lang="en-US" sz="1100" dirty="0"/>
-          </a:p>
-          <a:p>
-            <a:pPr lvl="2"/>
-            <a:r>
-              <a:rPr lang="en-US" dirty="0"/>
-              <a:t>Explain what a Warehouse is</a:t>
-            </a:r>
-            <a:endParaRPr lang="en-US" sz="1100" dirty="0"/>
-          </a:p>
-          <a:p>
-            <a:pPr lvl="3"/>
-            <a:r>
-              <a:rPr lang="en-US" dirty="0"/>
-              <a:t>It’s a bad name so bring clarity</a:t>
-            </a:r>
-            <a:endParaRPr lang="en-US" sz="1100" dirty="0"/>
-          </a:p>
-          <a:p>
-            <a:pPr lvl="1"/>
-            <a:r>
-              <a:rPr lang="en-US" dirty="0"/>
-              <a:t>Create a Database</a:t>
-            </a:r>
-            <a:endParaRPr lang="en-US" sz="1100" dirty="0"/>
-          </a:p>
-          <a:p>
-            <a:pPr lvl="1"/>
-            <a:r>
-              <a:rPr lang="en-US" dirty="0"/>
-              <a:t>Add a Role</a:t>
-            </a:r>
-            <a:endParaRPr lang="en-US" sz="1100" dirty="0"/>
-          </a:p>
-          <a:p>
-            <a:pPr lvl="2"/>
-            <a:r>
-              <a:rPr lang="en-US" dirty="0"/>
-              <a:t>Role-based authentication in Snowflake (Objects get assigned to roles, etc.)</a:t>
-            </a:r>
-            <a:endParaRPr lang="en-US" sz="1100" dirty="0"/>
-          </a:p>
-          <a:p>
-            <a:pPr lvl="1"/>
-            <a:r>
-              <a:rPr lang="en-US" dirty="0"/>
-              <a:t>Add a User/Users to that role</a:t>
-            </a:r>
-            <a:endParaRPr lang="en-US" sz="1100" dirty="0"/>
-          </a:p>
-          <a:p>
-            <a:pPr lvl="2"/>
-            <a:r>
-              <a:rPr lang="en-US" dirty="0"/>
-              <a:t>Grant Permissions to the Warehouse and Database to that created role</a:t>
-            </a:r>
-            <a:endParaRPr lang="en-US" sz="1100" dirty="0"/>
-          </a:p>
-        </p:txBody>
-      </p:sp>
-      <p:sp>
-        <p:nvSpPr>
-          <p:cNvPr id="5" name="Text Placeholder 4">
-            <a:extLst>
-              <a:ext uri="{FF2B5EF4-FFF2-40B4-BE49-F238E27FC236}">
-                <a16:creationId xmlns:a16="http://schemas.microsoft.com/office/drawing/2014/main" id="{25002EEC-CAE7-4702-B866-EB29698D5A75}"/>
-              </a:ext>
-            </a:extLst>
-          </p:cNvPr>
-          <p:cNvSpPr>
-            <a:spLocks noGrp="1"/>
-          </p:cNvSpPr>
-          <p:nvPr>
-            <p:ph type="body" idx="4294967295"/>
-          </p:nvPr>
-        </p:nvSpPr>
-        <p:spPr>
-          <a:xfrm>
-            <a:off x="554038" y="512763"/>
-            <a:ext cx="8589962" cy="723900"/>
-          </a:xfrm>
-        </p:spPr>
-        <p:txBody>
-          <a:bodyPr/>
-          <a:lstStyle/>
-          <a:p>
-            <a:r>
-              <a:rPr lang="en-US" dirty="0"/>
-              <a:t>DBA/Admin Stuff (10 min) - Hands-on (30 min)</a:t>
-            </a:r>
-          </a:p>
-        </p:txBody>
-      </p:sp>
-    </p:spTree>
-    <p:extLst>
-      <p:ext uri="{BB962C8B-B14F-4D97-AF65-F5344CB8AC3E}">
-        <p14:creationId xmlns:p14="http://schemas.microsoft.com/office/powerpoint/2010/main" val="2631755121"/>
-      </p:ext>
-    </p:extLst>
-  </p:cSld>
-  <p:clrMapOvr>
-    <a:masterClrMapping/>
-  </p:clrMapOvr>
-</p:sld>
-</file>
-
-<file path=ppt/slides/slide16.xml><?xml version="1.0" encoding="utf-8"?>
-<p:sld xmlns:a="http://schemas.openxmlformats.org/drawingml/2006/main" xmlns:r="http://schemas.openxmlformats.org/officeDocument/2006/relationships" xmlns:p="http://schemas.openxmlformats.org/presentationml/2006/main">
-  <p:cSld>
-    <p:spTree>
-      <p:nvGrpSpPr>
-        <p:cNvPr id="1" name=""/>
-        <p:cNvGrpSpPr/>
-        <p:nvPr/>
-      </p:nvGrpSpPr>
-      <p:grpSpPr>
-        <a:xfrm>
-          <a:off x="0" y="0"/>
-          <a:ext cx="0" cy="0"/>
-          <a:chOff x="0" y="0"/>
-          <a:chExt cx="0" cy="0"/>
-        </a:xfrm>
-      </p:grpSpPr>
-      <p:sp>
-        <p:nvSpPr>
-          <p:cNvPr id="4" name="Text Placeholder 3">
-            <a:extLst>
-              <a:ext uri="{FF2B5EF4-FFF2-40B4-BE49-F238E27FC236}">
-                <a16:creationId xmlns:a16="http://schemas.microsoft.com/office/drawing/2014/main" id="{F40CEAA8-73FD-48B3-A440-C08F2A0BFBD2}"/>
-              </a:ext>
-            </a:extLst>
-          </p:cNvPr>
-          <p:cNvSpPr>
-            <a:spLocks noGrp="1"/>
-          </p:cNvSpPr>
-          <p:nvPr>
-            <p:ph type="body" idx="4294967295"/>
-          </p:nvPr>
-        </p:nvSpPr>
-        <p:spPr>
-          <a:xfrm>
-            <a:off x="560388" y="1323975"/>
-            <a:ext cx="8583612" cy="5046663"/>
-          </a:xfrm>
-        </p:spPr>
-        <p:txBody>
-          <a:bodyPr/>
-          <a:lstStyle/>
-          <a:p>
-            <a:pPr marL="514350" indent="-285750">
-              <a:buFont typeface="Arial" panose="020B0604020202020204" pitchFamily="34" charset="0"/>
-              <a:buChar char="•"/>
-            </a:pPr>
-            <a:r>
-              <a:rPr lang="en-US" dirty="0"/>
-              <a:t>Loading Data (15 min) - Hands-On (30 min)</a:t>
-            </a:r>
-          </a:p>
-          <a:p>
-            <a:pPr marL="971550" lvl="1" indent="-285750">
-              <a:buFont typeface="Arial" panose="020B0604020202020204" pitchFamily="34" charset="0"/>
-              <a:buChar char="•"/>
-            </a:pPr>
-            <a:r>
-              <a:rPr lang="en-US" dirty="0"/>
-              <a:t>Introduce the Cassini Mission data set: </a:t>
-            </a:r>
-          </a:p>
-          <a:p>
-            <a:pPr marL="1428750" lvl="2" indent="-285750">
-              <a:buFont typeface="Arial" panose="020B0604020202020204" pitchFamily="34" charset="0"/>
-              <a:buChar char="•"/>
-            </a:pPr>
-            <a:r>
-              <a:rPr lang="en-US" dirty="0"/>
-              <a:t>Cassini Mission and the data it gathered regarding Enceladus, Saturn's exciting, odd little moon.</a:t>
-            </a:r>
-          </a:p>
-          <a:p>
-            <a:pPr marL="1428750" lvl="2" indent="-285750">
-              <a:buFont typeface="Arial" panose="020B0604020202020204" pitchFamily="34" charset="0"/>
-              <a:buChar char="•"/>
-            </a:pPr>
-            <a:r>
-              <a:rPr lang="en-US" dirty="0"/>
-              <a:t>Noticed some weird data and though the moon might be able to sustain lift so they did more passes around the moon. Detected an atmosphere.</a:t>
-            </a:r>
-          </a:p>
-          <a:p>
-            <a:pPr lvl="1"/>
-            <a:r>
-              <a:rPr lang="en-US" dirty="0"/>
-              <a:t>Load from S3</a:t>
-            </a:r>
-          </a:p>
-          <a:p>
-            <a:pPr lvl="2"/>
-            <a:r>
-              <a:rPr lang="en-US" dirty="0"/>
-              <a:t>Create a table within Snowflake</a:t>
-            </a:r>
-          </a:p>
-          <a:p>
-            <a:pPr lvl="2"/>
-            <a:r>
-              <a:rPr lang="en-US" dirty="0"/>
-              <a:t>Use “Copy” command to import from S3 </a:t>
-            </a:r>
-          </a:p>
-          <a:p>
-            <a:pPr lvl="3"/>
-            <a:r>
-              <a:rPr lang="en-US" dirty="0"/>
-              <a:t>talk about the option to create a “Stage” within Snowflake</a:t>
-            </a:r>
-          </a:p>
-          <a:p>
-            <a:pPr lvl="3"/>
-            <a:r>
-              <a:rPr lang="en-US" dirty="0"/>
-              <a:t>talk about the option to create or replace a “file format” within Snowflake</a:t>
-            </a:r>
-          </a:p>
-          <a:p>
-            <a:pPr lvl="1"/>
-            <a:r>
-              <a:rPr lang="en-US" dirty="0"/>
-              <a:t>One from a delimited file format or JSON file format</a:t>
-            </a:r>
-          </a:p>
-          <a:p>
-            <a:pPr lvl="1"/>
-            <a:r>
-              <a:rPr lang="en-US" dirty="0"/>
-              <a:t>Show off the Variant data type works - Load from a flat file, where one or more of the fields are JSON</a:t>
-            </a:r>
-          </a:p>
-          <a:p>
-            <a:pPr lvl="1"/>
-            <a:r>
-              <a:rPr lang="en-US" dirty="0"/>
-              <a:t>Talk about the fact that Snowflake scales dynamically up and down (compute and storage are separate).</a:t>
-            </a:r>
-          </a:p>
-          <a:p>
-            <a:pPr lvl="2"/>
-            <a:r>
-              <a:rPr lang="en-US" dirty="0"/>
-              <a:t>Don’t have to scale your compute just because you have to scale your storage</a:t>
-            </a:r>
-          </a:p>
-          <a:p>
-            <a:endParaRPr lang="en-US" dirty="0"/>
-          </a:p>
-        </p:txBody>
-      </p:sp>
-      <p:sp>
-        <p:nvSpPr>
-          <p:cNvPr id="5" name="Text Placeholder 4">
-            <a:extLst>
-              <a:ext uri="{FF2B5EF4-FFF2-40B4-BE49-F238E27FC236}">
-                <a16:creationId xmlns:a16="http://schemas.microsoft.com/office/drawing/2014/main" id="{25002EEC-CAE7-4702-B866-EB29698D5A75}"/>
-              </a:ext>
-            </a:extLst>
-          </p:cNvPr>
-          <p:cNvSpPr>
-            <a:spLocks noGrp="1"/>
-          </p:cNvSpPr>
-          <p:nvPr>
-            <p:ph type="body" idx="4294967295"/>
-          </p:nvPr>
-        </p:nvSpPr>
-        <p:spPr>
-          <a:xfrm>
-            <a:off x="554038" y="512763"/>
-            <a:ext cx="8589962" cy="723900"/>
-          </a:xfrm>
-        </p:spPr>
-        <p:txBody>
-          <a:bodyPr/>
-          <a:lstStyle/>
-          <a:p>
-            <a:r>
-              <a:rPr lang="en-US" dirty="0"/>
-              <a:t>Loading Data (15 min) - Hands-On (30 min)</a:t>
-            </a:r>
-          </a:p>
-        </p:txBody>
-      </p:sp>
-    </p:spTree>
-    <p:extLst>
-      <p:ext uri="{BB962C8B-B14F-4D97-AF65-F5344CB8AC3E}">
-        <p14:creationId xmlns:p14="http://schemas.microsoft.com/office/powerpoint/2010/main" val="4104078590"/>
-      </p:ext>
-    </p:extLst>
-  </p:cSld>
-  <p:clrMapOvr>
-    <a:masterClrMapping/>
-  </p:clrMapOvr>
-</p:sld>
-</file>
-
-<file path=ppt/slides/slide17.xml><?xml version="1.0" encoding="utf-8"?>
-<p:sld xmlns:a="http://schemas.openxmlformats.org/drawingml/2006/main" xmlns:r="http://schemas.openxmlformats.org/officeDocument/2006/relationships" xmlns:p="http://schemas.openxmlformats.org/presentationml/2006/main">
-  <p:cSld>
-    <p:spTree>
-      <p:nvGrpSpPr>
-        <p:cNvPr id="1" name=""/>
-        <p:cNvGrpSpPr/>
-        <p:nvPr/>
-      </p:nvGrpSpPr>
-      <p:grpSpPr>
-        <a:xfrm>
-          <a:off x="0" y="0"/>
-          <a:ext cx="0" cy="0"/>
-          <a:chOff x="0" y="0"/>
-          <a:chExt cx="0" cy="0"/>
-        </a:xfrm>
-      </p:grpSpPr>
-      <p:sp>
-        <p:nvSpPr>
-          <p:cNvPr id="4" name="Text Placeholder 3">
-            <a:extLst>
-              <a:ext uri="{FF2B5EF4-FFF2-40B4-BE49-F238E27FC236}">
-                <a16:creationId xmlns:a16="http://schemas.microsoft.com/office/drawing/2014/main" id="{F40CEAA8-73FD-48B3-A440-C08F2A0BFBD2}"/>
-              </a:ext>
-            </a:extLst>
-          </p:cNvPr>
-          <p:cNvSpPr>
-            <a:spLocks noGrp="1"/>
-          </p:cNvSpPr>
-          <p:nvPr>
-            <p:ph type="body" idx="4294967295"/>
-          </p:nvPr>
-        </p:nvSpPr>
-        <p:spPr>
-          <a:xfrm>
-            <a:off x="560388" y="1323975"/>
-            <a:ext cx="8583612" cy="5046663"/>
-          </a:xfrm>
-        </p:spPr>
-        <p:txBody>
-          <a:bodyPr/>
-          <a:lstStyle/>
-          <a:p>
-            <a:pPr lvl="0"/>
-            <a:endParaRPr lang="en-US" sz="1200" dirty="0"/>
-          </a:p>
-          <a:p>
-            <a:pPr lvl="1"/>
-            <a:r>
-              <a:rPr lang="en-US" dirty="0"/>
-              <a:t>Set limits on the Snowflake account (once it’s 50% allotment of account usage, etc.)</a:t>
-            </a:r>
-            <a:endParaRPr lang="en-US" sz="1100" dirty="0"/>
-          </a:p>
-          <a:p>
-            <a:pPr lvl="2"/>
-            <a:r>
-              <a:rPr lang="en-US" dirty="0"/>
-              <a:t>Here’s what your usage was to load the data, etc.</a:t>
-            </a:r>
-            <a:endParaRPr lang="en-US" sz="1100" dirty="0"/>
-          </a:p>
-        </p:txBody>
-      </p:sp>
-      <p:sp>
-        <p:nvSpPr>
-          <p:cNvPr id="5" name="Text Placeholder 4">
-            <a:extLst>
-              <a:ext uri="{FF2B5EF4-FFF2-40B4-BE49-F238E27FC236}">
-                <a16:creationId xmlns:a16="http://schemas.microsoft.com/office/drawing/2014/main" id="{25002EEC-CAE7-4702-B866-EB29698D5A75}"/>
-              </a:ext>
-            </a:extLst>
-          </p:cNvPr>
-          <p:cNvSpPr>
-            <a:spLocks noGrp="1"/>
-          </p:cNvSpPr>
-          <p:nvPr>
-            <p:ph type="body" idx="4294967295"/>
-          </p:nvPr>
-        </p:nvSpPr>
-        <p:spPr>
-          <a:xfrm>
-            <a:off x="554038" y="512763"/>
-            <a:ext cx="8589962" cy="723900"/>
-          </a:xfrm>
-        </p:spPr>
-        <p:txBody>
-          <a:bodyPr/>
-          <a:lstStyle/>
-          <a:p>
-            <a:r>
-              <a:rPr lang="en-US" dirty="0"/>
-              <a:t>DBA/Admin Stuff (3 min) – Part II</a:t>
-            </a:r>
-          </a:p>
-        </p:txBody>
-      </p:sp>
-    </p:spTree>
-    <p:extLst>
-      <p:ext uri="{BB962C8B-B14F-4D97-AF65-F5344CB8AC3E}">
-        <p14:creationId xmlns:p14="http://schemas.microsoft.com/office/powerpoint/2010/main" val="957661679"/>
-      </p:ext>
-    </p:extLst>
-  </p:cSld>
-  <p:clrMapOvr>
-    <a:masterClrMapping/>
-  </p:clrMapOvr>
-</p:sld>
-</file>
-
-<file path=ppt/slides/slide18.xml><?xml version="1.0" encoding="utf-8"?>
-<p:sld xmlns:a="http://schemas.openxmlformats.org/drawingml/2006/main" xmlns:r="http://schemas.openxmlformats.org/officeDocument/2006/relationships" xmlns:p="http://schemas.openxmlformats.org/presentationml/2006/main">
-  <p:cSld>
-    <p:spTree>
-      <p:nvGrpSpPr>
-        <p:cNvPr id="1" name=""/>
-        <p:cNvGrpSpPr/>
-        <p:nvPr/>
-      </p:nvGrpSpPr>
-      <p:grpSpPr>
-        <a:xfrm>
-          <a:off x="0" y="0"/>
-          <a:ext cx="0" cy="0"/>
-          <a:chOff x="0" y="0"/>
-          <a:chExt cx="0" cy="0"/>
-        </a:xfrm>
-      </p:grpSpPr>
-      <p:sp>
-        <p:nvSpPr>
-          <p:cNvPr id="4" name="Text Placeholder 3">
-            <a:extLst>
-              <a:ext uri="{FF2B5EF4-FFF2-40B4-BE49-F238E27FC236}">
-                <a16:creationId xmlns:a16="http://schemas.microsoft.com/office/drawing/2014/main" id="{F40CEAA8-73FD-48B3-A440-C08F2A0BFBD2}"/>
-              </a:ext>
-            </a:extLst>
-          </p:cNvPr>
-          <p:cNvSpPr>
-            <a:spLocks noGrp="1"/>
-          </p:cNvSpPr>
-          <p:nvPr>
-            <p:ph type="body" idx="4294967295"/>
-          </p:nvPr>
-        </p:nvSpPr>
-        <p:spPr>
-          <a:xfrm>
-            <a:off x="560388" y="1323975"/>
-            <a:ext cx="8583612" cy="5046663"/>
-          </a:xfrm>
-        </p:spPr>
-        <p:txBody>
-          <a:bodyPr/>
-          <a:lstStyle/>
-          <a:p>
-            <a:pPr lvl="0"/>
-            <a:r>
-              <a:rPr lang="en-US" dirty="0"/>
-              <a:t>Run some example queries (5 min)</a:t>
-            </a:r>
-            <a:endParaRPr lang="en-US" sz="1200" dirty="0"/>
-          </a:p>
-          <a:p>
-            <a:pPr lvl="1"/>
-            <a:r>
-              <a:rPr lang="en-US" dirty="0"/>
-              <a:t>Filter to just fly </a:t>
-            </a:r>
-            <a:r>
-              <a:rPr lang="en-US" dirty="0" err="1"/>
-              <a:t>by’s</a:t>
-            </a:r>
-            <a:r>
-              <a:rPr lang="en-US" dirty="0"/>
-              <a:t> when they’re closest to the moon</a:t>
-            </a:r>
-            <a:endParaRPr lang="en-US" sz="1100" dirty="0"/>
-          </a:p>
-          <a:p>
-            <a:pPr lvl="1"/>
-            <a:r>
-              <a:rPr lang="en-US" dirty="0"/>
-              <a:t>Uses ANSI SQL - so anyone who writes SQL will write Snowflake</a:t>
-            </a:r>
-            <a:endParaRPr lang="en-US" sz="1100" dirty="0"/>
-          </a:p>
-        </p:txBody>
-      </p:sp>
-      <p:sp>
-        <p:nvSpPr>
-          <p:cNvPr id="5" name="Text Placeholder 4">
-            <a:extLst>
-              <a:ext uri="{FF2B5EF4-FFF2-40B4-BE49-F238E27FC236}">
-                <a16:creationId xmlns:a16="http://schemas.microsoft.com/office/drawing/2014/main" id="{25002EEC-CAE7-4702-B866-EB29698D5A75}"/>
-              </a:ext>
-            </a:extLst>
-          </p:cNvPr>
-          <p:cNvSpPr>
-            <a:spLocks noGrp="1"/>
-          </p:cNvSpPr>
-          <p:nvPr>
-            <p:ph type="body" idx="4294967295"/>
-          </p:nvPr>
-        </p:nvSpPr>
-        <p:spPr>
-          <a:xfrm>
-            <a:off x="554038" y="512763"/>
-            <a:ext cx="8589962" cy="723900"/>
-          </a:xfrm>
-        </p:spPr>
-        <p:txBody>
-          <a:bodyPr/>
-          <a:lstStyle/>
-          <a:p>
-            <a:pPr lvl="0"/>
-            <a:r>
-              <a:rPr lang="en-US" dirty="0"/>
-              <a:t>Run some example queries (5 min)</a:t>
-            </a:r>
-            <a:endParaRPr lang="en-US" sz="2400" dirty="0"/>
-          </a:p>
-        </p:txBody>
-      </p:sp>
-    </p:spTree>
-    <p:extLst>
-      <p:ext uri="{BB962C8B-B14F-4D97-AF65-F5344CB8AC3E}">
-        <p14:creationId xmlns:p14="http://schemas.microsoft.com/office/powerpoint/2010/main" val="391293442"/>
-      </p:ext>
-    </p:extLst>
-  </p:cSld>
-  <p:clrMapOvr>
-    <a:masterClrMapping/>
-  </p:clrMapOvr>
-</p:sld>
-</file>
-
-<file path=ppt/slides/slide19.xml><?xml version="1.0" encoding="utf-8"?>
-<p:sld xmlns:a="http://schemas.openxmlformats.org/drawingml/2006/main" xmlns:r="http://schemas.openxmlformats.org/officeDocument/2006/relationships" xmlns:p="http://schemas.openxmlformats.org/presentationml/2006/main">
-  <p:cSld>
-    <p:spTree>
-      <p:nvGrpSpPr>
-        <p:cNvPr id="1" name=""/>
-        <p:cNvGrpSpPr/>
-        <p:nvPr/>
-      </p:nvGrpSpPr>
-      <p:grpSpPr>
-        <a:xfrm>
-          <a:off x="0" y="0"/>
-          <a:ext cx="0" cy="0"/>
-          <a:chOff x="0" y="0"/>
-          <a:chExt cx="0" cy="0"/>
-        </a:xfrm>
-      </p:grpSpPr>
-      <p:sp>
-        <p:nvSpPr>
-          <p:cNvPr id="4" name="Text Placeholder 3">
-            <a:extLst>
-              <a:ext uri="{FF2B5EF4-FFF2-40B4-BE49-F238E27FC236}">
-                <a16:creationId xmlns:a16="http://schemas.microsoft.com/office/drawing/2014/main" id="{F40CEAA8-73FD-48B3-A440-C08F2A0BFBD2}"/>
-              </a:ext>
-            </a:extLst>
-          </p:cNvPr>
-          <p:cNvSpPr>
-            <a:spLocks noGrp="1"/>
-          </p:cNvSpPr>
-          <p:nvPr>
-            <p:ph type="body" idx="4294967295"/>
-          </p:nvPr>
-        </p:nvSpPr>
-        <p:spPr>
-          <a:xfrm>
-            <a:off x="560388" y="1323975"/>
-            <a:ext cx="8583612" cy="5046663"/>
-          </a:xfrm>
-        </p:spPr>
-        <p:txBody>
-          <a:bodyPr/>
-          <a:lstStyle/>
-          <a:p>
-            <a:pPr lvl="0"/>
-            <a:r>
-              <a:rPr lang="en-US" dirty="0"/>
-              <a:t>Transform Data (10 min)</a:t>
-            </a:r>
-            <a:endParaRPr lang="en-US" sz="1200" dirty="0"/>
-          </a:p>
-          <a:p>
-            <a:pPr lvl="1"/>
-            <a:r>
-              <a:rPr lang="en-US" dirty="0"/>
-              <a:t>Use the transform example from the book</a:t>
-            </a:r>
-            <a:endParaRPr lang="en-US" sz="1100" dirty="0"/>
-          </a:p>
-          <a:p>
-            <a:pPr lvl="1"/>
-            <a:r>
-              <a:rPr lang="en-US" dirty="0"/>
-              <a:t>Talk about native integrations for ETL tools (show connecting to </a:t>
-            </a:r>
-            <a:r>
-              <a:rPr lang="en-US" dirty="0" err="1"/>
-              <a:t>Matillion</a:t>
-            </a:r>
-            <a:r>
-              <a:rPr lang="en-US" dirty="0"/>
-              <a:t>)</a:t>
-            </a:r>
-            <a:endParaRPr lang="en-US" sz="1100" dirty="0"/>
-          </a:p>
-          <a:p>
-            <a:pPr lvl="2"/>
-            <a:r>
-              <a:rPr lang="en-US" dirty="0"/>
-              <a:t>ODBC or JDBC drivers will also connect to Snowflake. Means in-theory you can still connect to other tools/workflows.</a:t>
-            </a:r>
-            <a:endParaRPr lang="en-US" sz="1100" dirty="0"/>
-          </a:p>
-        </p:txBody>
-      </p:sp>
-      <p:sp>
-        <p:nvSpPr>
-          <p:cNvPr id="5" name="Text Placeholder 4">
-            <a:extLst>
-              <a:ext uri="{FF2B5EF4-FFF2-40B4-BE49-F238E27FC236}">
-                <a16:creationId xmlns:a16="http://schemas.microsoft.com/office/drawing/2014/main" id="{25002EEC-CAE7-4702-B866-EB29698D5A75}"/>
-              </a:ext>
-            </a:extLst>
-          </p:cNvPr>
-          <p:cNvSpPr>
-            <a:spLocks noGrp="1"/>
-          </p:cNvSpPr>
-          <p:nvPr>
-            <p:ph type="body" idx="4294967295"/>
-          </p:nvPr>
-        </p:nvSpPr>
-        <p:spPr>
-          <a:xfrm>
-            <a:off x="554038" y="512763"/>
-            <a:ext cx="8589962" cy="723900"/>
-          </a:xfrm>
-        </p:spPr>
-        <p:txBody>
-          <a:bodyPr/>
-          <a:lstStyle/>
-          <a:p>
-            <a:pPr lvl="0"/>
-            <a:r>
-              <a:rPr lang="en-US" dirty="0"/>
-              <a:t>Transform Data (10 min)</a:t>
-            </a:r>
-            <a:endParaRPr lang="en-US" sz="2400" dirty="0"/>
-          </a:p>
-        </p:txBody>
-      </p:sp>
-    </p:spTree>
-    <p:extLst>
-      <p:ext uri="{BB962C8B-B14F-4D97-AF65-F5344CB8AC3E}">
-        <p14:creationId xmlns:p14="http://schemas.microsoft.com/office/powerpoint/2010/main" val="421386227"/>
-      </p:ext>
-    </p:extLst>
-  </p:cSld>
-  <p:clrMapOvr>
-    <a:masterClrMapping/>
-  </p:clrMapOvr>
-</p:sld>
-</file>
-
 <file path=ppt/slides/slide2.xml><?xml version="1.0" encoding="utf-8"?>
 <p:sld xmlns:a="http://schemas.openxmlformats.org/drawingml/2006/main" xmlns:r="http://schemas.openxmlformats.org/officeDocument/2006/relationships" xmlns:p="http://schemas.openxmlformats.org/presentationml/2006/main">
   <p:cSld>
@@ -11141,411 +9924,6 @@
     <p:extLst>
       <p:ext uri="{BB962C8B-B14F-4D97-AF65-F5344CB8AC3E}">
         <p14:creationId xmlns:p14="http://schemas.microsoft.com/office/powerpoint/2010/main" val="1840429433"/>
-      </p:ext>
-    </p:extLst>
-  </p:cSld>
-  <p:clrMapOvr>
-    <a:masterClrMapping/>
-  </p:clrMapOvr>
-</p:sld>
-</file>
-
-<file path=ppt/slides/slide20.xml><?xml version="1.0" encoding="utf-8"?>
-<p:sld xmlns:a="http://schemas.openxmlformats.org/drawingml/2006/main" xmlns:r="http://schemas.openxmlformats.org/officeDocument/2006/relationships" xmlns:p="http://schemas.openxmlformats.org/presentationml/2006/main">
-  <p:cSld>
-    <p:spTree>
-      <p:nvGrpSpPr>
-        <p:cNvPr id="1" name=""/>
-        <p:cNvGrpSpPr/>
-        <p:nvPr/>
-      </p:nvGrpSpPr>
-      <p:grpSpPr>
-        <a:xfrm>
-          <a:off x="0" y="0"/>
-          <a:ext cx="0" cy="0"/>
-          <a:chOff x="0" y="0"/>
-          <a:chExt cx="0" cy="0"/>
-        </a:xfrm>
-      </p:grpSpPr>
-      <p:sp>
-        <p:nvSpPr>
-          <p:cNvPr id="4" name="Text Placeholder 3">
-            <a:extLst>
-              <a:ext uri="{FF2B5EF4-FFF2-40B4-BE49-F238E27FC236}">
-                <a16:creationId xmlns:a16="http://schemas.microsoft.com/office/drawing/2014/main" id="{F40CEAA8-73FD-48B3-A440-C08F2A0BFBD2}"/>
-              </a:ext>
-            </a:extLst>
-          </p:cNvPr>
-          <p:cNvSpPr>
-            <a:spLocks noGrp="1"/>
-          </p:cNvSpPr>
-          <p:nvPr>
-            <p:ph type="body" idx="4294967295"/>
-          </p:nvPr>
-        </p:nvSpPr>
-        <p:spPr>
-          <a:xfrm>
-            <a:off x="560388" y="1323975"/>
-            <a:ext cx="8583612" cy="5046663"/>
-          </a:xfrm>
-        </p:spPr>
-        <p:txBody>
-          <a:bodyPr/>
-          <a:lstStyle/>
-          <a:p>
-            <a:pPr lvl="0"/>
-            <a:r>
-              <a:rPr lang="en-US" dirty="0"/>
-              <a:t>Model data (10 min)</a:t>
-            </a:r>
-            <a:endParaRPr lang="en-US" sz="1200" dirty="0"/>
-          </a:p>
-          <a:p>
-            <a:pPr lvl="1"/>
-            <a:r>
-              <a:rPr lang="en-US" dirty="0"/>
-              <a:t>Use the modeling example from the book - update the Snowflake example</a:t>
-            </a:r>
-            <a:endParaRPr lang="en-US" sz="1100" dirty="0"/>
-          </a:p>
-          <a:p>
-            <a:pPr lvl="1"/>
-            <a:r>
-              <a:rPr lang="en-US" dirty="0"/>
-              <a:t>Talk about Eide Bailly and what we do (Data Modeling)</a:t>
-            </a:r>
-            <a:endParaRPr lang="en-US" sz="1100" dirty="0"/>
-          </a:p>
-        </p:txBody>
-      </p:sp>
-      <p:sp>
-        <p:nvSpPr>
-          <p:cNvPr id="5" name="Text Placeholder 4">
-            <a:extLst>
-              <a:ext uri="{FF2B5EF4-FFF2-40B4-BE49-F238E27FC236}">
-                <a16:creationId xmlns:a16="http://schemas.microsoft.com/office/drawing/2014/main" id="{25002EEC-CAE7-4702-B866-EB29698D5A75}"/>
-              </a:ext>
-            </a:extLst>
-          </p:cNvPr>
-          <p:cNvSpPr>
-            <a:spLocks noGrp="1"/>
-          </p:cNvSpPr>
-          <p:nvPr>
-            <p:ph type="body" idx="4294967295"/>
-          </p:nvPr>
-        </p:nvSpPr>
-        <p:spPr>
-          <a:xfrm>
-            <a:off x="554038" y="512763"/>
-            <a:ext cx="8589962" cy="723900"/>
-          </a:xfrm>
-        </p:spPr>
-        <p:txBody>
-          <a:bodyPr/>
-          <a:lstStyle/>
-          <a:p>
-            <a:pPr lvl="0"/>
-            <a:r>
-              <a:rPr lang="en-US" dirty="0"/>
-              <a:t>Model Data</a:t>
-            </a:r>
-            <a:endParaRPr lang="en-US" sz="2400" dirty="0"/>
-          </a:p>
-        </p:txBody>
-      </p:sp>
-    </p:spTree>
-    <p:extLst>
-      <p:ext uri="{BB962C8B-B14F-4D97-AF65-F5344CB8AC3E}">
-        <p14:creationId xmlns:p14="http://schemas.microsoft.com/office/powerpoint/2010/main" val="3008289490"/>
-      </p:ext>
-    </p:extLst>
-  </p:cSld>
-  <p:clrMapOvr>
-    <a:masterClrMapping/>
-  </p:clrMapOvr>
-</p:sld>
-</file>
-
-<file path=ppt/slides/slide21.xml><?xml version="1.0" encoding="utf-8"?>
-<p:sld xmlns:a="http://schemas.openxmlformats.org/drawingml/2006/main" xmlns:r="http://schemas.openxmlformats.org/officeDocument/2006/relationships" xmlns:p="http://schemas.openxmlformats.org/presentationml/2006/main">
-  <p:cSld>
-    <p:spTree>
-      <p:nvGrpSpPr>
-        <p:cNvPr id="1" name=""/>
-        <p:cNvGrpSpPr/>
-        <p:nvPr/>
-      </p:nvGrpSpPr>
-      <p:grpSpPr>
-        <a:xfrm>
-          <a:off x="0" y="0"/>
-          <a:ext cx="0" cy="0"/>
-          <a:chOff x="0" y="0"/>
-          <a:chExt cx="0" cy="0"/>
-        </a:xfrm>
-      </p:grpSpPr>
-      <p:sp>
-        <p:nvSpPr>
-          <p:cNvPr id="4" name="Text Placeholder 3">
-            <a:extLst>
-              <a:ext uri="{FF2B5EF4-FFF2-40B4-BE49-F238E27FC236}">
-                <a16:creationId xmlns:a16="http://schemas.microsoft.com/office/drawing/2014/main" id="{F40CEAA8-73FD-48B3-A440-C08F2A0BFBD2}"/>
-              </a:ext>
-            </a:extLst>
-          </p:cNvPr>
-          <p:cNvSpPr>
-            <a:spLocks noGrp="1"/>
-          </p:cNvSpPr>
-          <p:nvPr>
-            <p:ph type="body" idx="4294967295"/>
-          </p:nvPr>
-        </p:nvSpPr>
-        <p:spPr>
-          <a:xfrm>
-            <a:off x="560388" y="1323975"/>
-            <a:ext cx="8583612" cy="5046663"/>
-          </a:xfrm>
-        </p:spPr>
-        <p:txBody>
-          <a:bodyPr/>
-          <a:lstStyle/>
-          <a:p>
-            <a:pPr lvl="0"/>
-            <a:r>
-              <a:rPr lang="en-US" dirty="0"/>
-              <a:t>Cloning (big deal for people working with Redshift)</a:t>
-            </a:r>
-            <a:endParaRPr lang="en-US" sz="1200" dirty="0"/>
-          </a:p>
-          <a:p>
-            <a:pPr lvl="1"/>
-            <a:r>
-              <a:rPr lang="en-US" dirty="0"/>
-              <a:t>click of the mouse (duplicate a table, schema, etc.)</a:t>
-            </a:r>
-            <a:endParaRPr lang="en-US" sz="1100" dirty="0"/>
-          </a:p>
-          <a:p>
-            <a:pPr lvl="1"/>
-            <a:r>
-              <a:rPr lang="en-US" dirty="0"/>
-              <a:t>doesn’t use any additional storage or compute</a:t>
-            </a:r>
-          </a:p>
-          <a:p>
-            <a:pPr lvl="1"/>
-            <a:endParaRPr lang="en-US" sz="1100" dirty="0"/>
-          </a:p>
-          <a:p>
-            <a:pPr lvl="0"/>
-            <a:r>
-              <a:rPr lang="en-US" dirty="0"/>
-              <a:t>Time Travel (big deal for people working with Redshift)</a:t>
-            </a:r>
-            <a:endParaRPr lang="en-US" sz="1200" dirty="0"/>
-          </a:p>
-          <a:p>
-            <a:pPr lvl="1"/>
-            <a:r>
-              <a:rPr lang="en-US" dirty="0"/>
-              <a:t>Up to 90-days in the past</a:t>
-            </a:r>
-            <a:endParaRPr lang="en-US" sz="1100" dirty="0"/>
-          </a:p>
-          <a:p>
-            <a:pPr lvl="1"/>
-            <a:r>
-              <a:rPr lang="en-US" dirty="0"/>
-              <a:t>Can un-drop the table </a:t>
-            </a:r>
-            <a:endParaRPr lang="en-US" sz="1100" dirty="0"/>
-          </a:p>
-          <a:p>
-            <a:pPr lvl="1"/>
-            <a:r>
-              <a:rPr lang="en-US" dirty="0"/>
-              <a:t>Can query the data as of (certain date)</a:t>
-            </a:r>
-          </a:p>
-          <a:p>
-            <a:pPr lvl="0"/>
-            <a:endParaRPr lang="en-US" dirty="0"/>
-          </a:p>
-          <a:p>
-            <a:pPr lvl="0"/>
-            <a:r>
-              <a:rPr lang="en-US" sz="1200" dirty="0"/>
-              <a:t>Show Data Sharing Feature</a:t>
-            </a:r>
-          </a:p>
-          <a:p>
-            <a:pPr lvl="1"/>
-            <a:r>
-              <a:rPr lang="en-US" dirty="0"/>
-              <a:t>Show how sharing from one Snowflake account to another</a:t>
-            </a:r>
-          </a:p>
-          <a:p>
-            <a:pPr marL="609600" lvl="1" indent="0">
-              <a:buNone/>
-            </a:pPr>
-            <a:endParaRPr lang="en-US" sz="1100" dirty="0"/>
-          </a:p>
-          <a:p>
-            <a:endParaRPr lang="en-US" sz="1800" dirty="0"/>
-          </a:p>
-        </p:txBody>
-      </p:sp>
-      <p:sp>
-        <p:nvSpPr>
-          <p:cNvPr id="5" name="Text Placeholder 4">
-            <a:extLst>
-              <a:ext uri="{FF2B5EF4-FFF2-40B4-BE49-F238E27FC236}">
-                <a16:creationId xmlns:a16="http://schemas.microsoft.com/office/drawing/2014/main" id="{25002EEC-CAE7-4702-B866-EB29698D5A75}"/>
-              </a:ext>
-            </a:extLst>
-          </p:cNvPr>
-          <p:cNvSpPr>
-            <a:spLocks noGrp="1"/>
-          </p:cNvSpPr>
-          <p:nvPr>
-            <p:ph type="body" idx="4294967295"/>
-          </p:nvPr>
-        </p:nvSpPr>
-        <p:spPr>
-          <a:xfrm>
-            <a:off x="554038" y="512763"/>
-            <a:ext cx="8589962" cy="723900"/>
-          </a:xfrm>
-        </p:spPr>
-        <p:txBody>
-          <a:bodyPr/>
-          <a:lstStyle/>
-          <a:p>
-            <a:pPr lvl="0"/>
-            <a:r>
-              <a:rPr lang="en-US" dirty="0"/>
-              <a:t>Transform Data (10 min)</a:t>
-            </a:r>
-            <a:endParaRPr lang="en-US" sz="2400" dirty="0"/>
-          </a:p>
-        </p:txBody>
-      </p:sp>
-    </p:spTree>
-    <p:extLst>
-      <p:ext uri="{BB962C8B-B14F-4D97-AF65-F5344CB8AC3E}">
-        <p14:creationId xmlns:p14="http://schemas.microsoft.com/office/powerpoint/2010/main" val="3347451325"/>
-      </p:ext>
-    </p:extLst>
-  </p:cSld>
-  <p:clrMapOvr>
-    <a:masterClrMapping/>
-  </p:clrMapOvr>
-</p:sld>
-</file>
-
-<file path=ppt/slides/slide22.xml><?xml version="1.0" encoding="utf-8"?>
-<p:sld xmlns:a="http://schemas.openxmlformats.org/drawingml/2006/main" xmlns:r="http://schemas.openxmlformats.org/officeDocument/2006/relationships" xmlns:p="http://schemas.openxmlformats.org/presentationml/2006/main">
-  <p:cSld>
-    <p:spTree>
-      <p:nvGrpSpPr>
-        <p:cNvPr id="1" name=""/>
-        <p:cNvGrpSpPr/>
-        <p:nvPr/>
-      </p:nvGrpSpPr>
-      <p:grpSpPr>
-        <a:xfrm>
-          <a:off x="0" y="0"/>
-          <a:ext cx="0" cy="0"/>
-          <a:chOff x="0" y="0"/>
-          <a:chExt cx="0" cy="0"/>
-        </a:xfrm>
-      </p:grpSpPr>
-      <p:sp>
-        <p:nvSpPr>
-          <p:cNvPr id="4" name="Text Placeholder 3">
-            <a:extLst>
-              <a:ext uri="{FF2B5EF4-FFF2-40B4-BE49-F238E27FC236}">
-                <a16:creationId xmlns:a16="http://schemas.microsoft.com/office/drawing/2014/main" id="{F40CEAA8-73FD-48B3-A440-C08F2A0BFBD2}"/>
-              </a:ext>
-            </a:extLst>
-          </p:cNvPr>
-          <p:cNvSpPr>
-            <a:spLocks noGrp="1"/>
-          </p:cNvSpPr>
-          <p:nvPr>
-            <p:ph type="body" idx="4294967295"/>
-          </p:nvPr>
-        </p:nvSpPr>
-        <p:spPr>
-          <a:xfrm>
-            <a:off x="560388" y="1323975"/>
-            <a:ext cx="8583612" cy="5046663"/>
-          </a:xfrm>
-        </p:spPr>
-        <p:txBody>
-          <a:bodyPr/>
-          <a:lstStyle/>
-          <a:p>
-            <a:pPr lvl="0"/>
-            <a:r>
-              <a:rPr lang="en-US" dirty="0"/>
-              <a:t>Show how to connect to Tableau / Power BI show that it works. (5-10 min)</a:t>
-            </a:r>
-            <a:endParaRPr lang="en-US" sz="1200" dirty="0"/>
-          </a:p>
-          <a:p>
-            <a:pPr lvl="1"/>
-            <a:r>
-              <a:rPr lang="en-US" dirty="0"/>
-              <a:t>Build a report on the viz tool to show the fly </a:t>
-            </a:r>
-            <a:r>
-              <a:rPr lang="en-US" dirty="0" err="1"/>
-              <a:t>by’s</a:t>
-            </a:r>
-            <a:endParaRPr lang="en-US" sz="1100" dirty="0"/>
-          </a:p>
-        </p:txBody>
-      </p:sp>
-      <p:sp>
-        <p:nvSpPr>
-          <p:cNvPr id="5" name="Text Placeholder 4">
-            <a:extLst>
-              <a:ext uri="{FF2B5EF4-FFF2-40B4-BE49-F238E27FC236}">
-                <a16:creationId xmlns:a16="http://schemas.microsoft.com/office/drawing/2014/main" id="{25002EEC-CAE7-4702-B866-EB29698D5A75}"/>
-              </a:ext>
-            </a:extLst>
-          </p:cNvPr>
-          <p:cNvSpPr>
-            <a:spLocks noGrp="1"/>
-          </p:cNvSpPr>
-          <p:nvPr>
-            <p:ph type="body" idx="4294967295"/>
-          </p:nvPr>
-        </p:nvSpPr>
-        <p:spPr>
-          <a:xfrm>
-            <a:off x="554038" y="512763"/>
-            <a:ext cx="8589962" cy="723900"/>
-          </a:xfrm>
-        </p:spPr>
-        <p:txBody>
-          <a:bodyPr/>
-          <a:lstStyle/>
-          <a:p>
-            <a:pPr lvl="0"/>
-            <a:r>
-              <a:rPr lang="en-US" dirty="0"/>
-              <a:t>Connect Viz Tool - Tableau (5-10 min)</a:t>
-            </a:r>
-            <a:endParaRPr lang="en-US" sz="2400" dirty="0"/>
-          </a:p>
-        </p:txBody>
-      </p:sp>
-    </p:spTree>
-    <p:extLst>
-      <p:ext uri="{BB962C8B-B14F-4D97-AF65-F5344CB8AC3E}">
-        <p14:creationId xmlns:p14="http://schemas.microsoft.com/office/powerpoint/2010/main" val="45216369"/>
       </p:ext>
     </p:extLst>
   </p:cSld>
@@ -12632,7 +11010,7 @@
           <a:p>
             <a:r>
               <a:rPr lang="en-US" dirty="0"/>
-              <a:t>What is a snowflake “warehouse”?</a:t>
+              <a:t>EXTRACT, TRANSFORM, LOAD</a:t>
             </a:r>
           </a:p>
         </p:txBody>
@@ -12669,390 +11047,47 @@
               <a:buFont typeface="Arial" panose="020B0604020202020204" pitchFamily="34" charset="0"/>
               <a:buChar char="•"/>
             </a:pPr>
-            <a:endParaRPr lang="en-US" dirty="0"/>
+            <a:r>
+              <a:rPr lang="en-US" dirty="0"/>
+              <a:t>Snowflake’s performance, ability to handle semi-structured types, and distinct storage and compute make it distinctly suitable for following an ELT pattern.</a:t>
+            </a:r>
+          </a:p>
+          <a:p>
+            <a:pPr marL="342900" indent="-342900">
+              <a:buFont typeface="Arial" panose="020B0604020202020204" pitchFamily="34" charset="0"/>
+              <a:buChar char="•"/>
+            </a:pPr>
+            <a:r>
+              <a:rPr lang="en-US" dirty="0"/>
+              <a:t>This means that virtually all of your data work can be handled on the database engine using SQL.</a:t>
+            </a:r>
+          </a:p>
+          <a:p>
+            <a:pPr marL="342900" indent="-342900">
+              <a:buFont typeface="Arial" panose="020B0604020202020204" pitchFamily="34" charset="0"/>
+              <a:buChar char="•"/>
+            </a:pPr>
+            <a:r>
+              <a:rPr lang="en-US" dirty="0"/>
+              <a:t>A wide range of data integration tools support Snowflake.</a:t>
+            </a:r>
+          </a:p>
+          <a:p>
+            <a:pPr marL="342900" indent="-342900">
+              <a:buFont typeface="Arial" panose="020B0604020202020204" pitchFamily="34" charset="0"/>
+              <a:buChar char="•"/>
+            </a:pPr>
+            <a:r>
+              <a:rPr lang="en-US" dirty="0"/>
+              <a:t>Any tool that supports connections via ODBC/JDBC can be used.</a:t>
+            </a:r>
           </a:p>
         </p:txBody>
       </p:sp>
     </p:spTree>
     <p:extLst>
       <p:ext uri="{BB962C8B-B14F-4D97-AF65-F5344CB8AC3E}">
-        <p14:creationId xmlns:p14="http://schemas.microsoft.com/office/powerpoint/2010/main" val="423223791"/>
-      </p:ext>
-    </p:extLst>
-  </p:cSld>
-  <p:clrMapOvr>
-    <a:masterClrMapping/>
-  </p:clrMapOvr>
-</p:sld>
-</file>
-
-<file path=ppt/slides/slide6.xml><?xml version="1.0" encoding="utf-8"?>
-<p:sld xmlns:a="http://schemas.openxmlformats.org/drawingml/2006/main" xmlns:r="http://schemas.openxmlformats.org/officeDocument/2006/relationships" xmlns:p="http://schemas.openxmlformats.org/presentationml/2006/main">
-  <p:cSld>
-    <p:spTree>
-      <p:nvGrpSpPr>
-        <p:cNvPr id="1" name=""/>
-        <p:cNvGrpSpPr/>
-        <p:nvPr/>
-      </p:nvGrpSpPr>
-      <p:grpSpPr>
-        <a:xfrm>
-          <a:off x="0" y="0"/>
-          <a:ext cx="0" cy="0"/>
-          <a:chOff x="0" y="0"/>
-          <a:chExt cx="0" cy="0"/>
-        </a:xfrm>
-      </p:grpSpPr>
-      <p:sp>
-        <p:nvSpPr>
-          <p:cNvPr id="2" name="Title 1">
-            <a:extLst>
-              <a:ext uri="{FF2B5EF4-FFF2-40B4-BE49-F238E27FC236}">
-                <a16:creationId xmlns:a16="http://schemas.microsoft.com/office/drawing/2014/main" id="{B6E787CD-8900-4781-B56F-0E4327E55DD7}"/>
-              </a:ext>
-            </a:extLst>
-          </p:cNvPr>
-          <p:cNvSpPr>
-            <a:spLocks noGrp="1"/>
-          </p:cNvSpPr>
-          <p:nvPr>
-            <p:ph type="title"/>
-          </p:nvPr>
-        </p:nvSpPr>
-        <p:spPr/>
-        <p:txBody>
-          <a:bodyPr/>
-          <a:lstStyle/>
-          <a:p>
-            <a:r>
-              <a:rPr lang="en-US" dirty="0"/>
-              <a:t>Databases, roles, and users</a:t>
-            </a:r>
-          </a:p>
-        </p:txBody>
-      </p:sp>
-      <p:sp>
-        <p:nvSpPr>
-          <p:cNvPr id="7" name="Content Placeholder 6">
-            <a:extLst>
-              <a:ext uri="{FF2B5EF4-FFF2-40B4-BE49-F238E27FC236}">
-                <a16:creationId xmlns:a16="http://schemas.microsoft.com/office/drawing/2014/main" id="{77CE80C9-F156-444A-A5EF-9FD12F0E4770}"/>
-              </a:ext>
-            </a:extLst>
-          </p:cNvPr>
-          <p:cNvSpPr>
-            <a:spLocks noGrp="1"/>
-          </p:cNvSpPr>
-          <p:nvPr>
-            <p:ph idx="1"/>
-          </p:nvPr>
-        </p:nvSpPr>
-        <p:spPr>
-          <a:xfrm>
-            <a:off x="228600" y="1306047"/>
-            <a:ext cx="8686800" cy="5212080"/>
-          </a:xfrm>
-        </p:spPr>
-        <p:txBody>
-          <a:bodyPr>
-            <a:normAutofit/>
-          </a:bodyPr>
-          <a:lstStyle/>
-          <a:p>
-            <a:pPr marL="342900" indent="-342900">
-              <a:buFont typeface="Arial" panose="020B0604020202020204" pitchFamily="34" charset="0"/>
-              <a:buChar char="•"/>
-            </a:pPr>
-            <a:endParaRPr lang="en-US" dirty="0"/>
-          </a:p>
-        </p:txBody>
-      </p:sp>
-    </p:spTree>
-    <p:extLst>
-      <p:ext uri="{BB962C8B-B14F-4D97-AF65-F5344CB8AC3E}">
-        <p14:creationId xmlns:p14="http://schemas.microsoft.com/office/powerpoint/2010/main" val="4027360906"/>
-      </p:ext>
-    </p:extLst>
-  </p:cSld>
-  <p:clrMapOvr>
-    <a:masterClrMapping/>
-  </p:clrMapOvr>
-</p:sld>
-</file>
-
-<file path=ppt/slides/slide7.xml><?xml version="1.0" encoding="utf-8"?>
-<p:sld xmlns:a="http://schemas.openxmlformats.org/drawingml/2006/main" xmlns:r="http://schemas.openxmlformats.org/officeDocument/2006/relationships" xmlns:p="http://schemas.openxmlformats.org/presentationml/2006/main">
-  <p:cSld>
-    <p:spTree>
-      <p:nvGrpSpPr>
-        <p:cNvPr id="1" name=""/>
-        <p:cNvGrpSpPr/>
-        <p:nvPr/>
-      </p:nvGrpSpPr>
-      <p:grpSpPr>
-        <a:xfrm>
-          <a:off x="0" y="0"/>
-          <a:ext cx="0" cy="0"/>
-          <a:chOff x="0" y="0"/>
-          <a:chExt cx="0" cy="0"/>
-        </a:xfrm>
-      </p:grpSpPr>
-      <p:sp>
-        <p:nvSpPr>
-          <p:cNvPr id="2" name="Title 1">
-            <a:extLst>
-              <a:ext uri="{FF2B5EF4-FFF2-40B4-BE49-F238E27FC236}">
-                <a16:creationId xmlns:a16="http://schemas.microsoft.com/office/drawing/2014/main" id="{B6E787CD-8900-4781-B56F-0E4327E55DD7}"/>
-              </a:ext>
-            </a:extLst>
-          </p:cNvPr>
-          <p:cNvSpPr>
-            <a:spLocks noGrp="1"/>
-          </p:cNvSpPr>
-          <p:nvPr>
-            <p:ph type="title"/>
-          </p:nvPr>
-        </p:nvSpPr>
-        <p:spPr/>
-        <p:txBody>
-          <a:bodyPr/>
-          <a:lstStyle/>
-          <a:p>
-            <a:r>
-              <a:rPr lang="en-US" dirty="0"/>
-              <a:t>LOADING DATA</a:t>
-            </a:r>
-          </a:p>
-        </p:txBody>
-      </p:sp>
-      <p:sp>
-        <p:nvSpPr>
-          <p:cNvPr id="7" name="Content Placeholder 6">
-            <a:extLst>
-              <a:ext uri="{FF2B5EF4-FFF2-40B4-BE49-F238E27FC236}">
-                <a16:creationId xmlns:a16="http://schemas.microsoft.com/office/drawing/2014/main" id="{77CE80C9-F156-444A-A5EF-9FD12F0E4770}"/>
-              </a:ext>
-            </a:extLst>
-          </p:cNvPr>
-          <p:cNvSpPr>
-            <a:spLocks noGrp="1"/>
-          </p:cNvSpPr>
-          <p:nvPr>
-            <p:ph idx="1"/>
-          </p:nvPr>
-        </p:nvSpPr>
-        <p:spPr>
-          <a:xfrm>
-            <a:off x="228600" y="1306047"/>
-            <a:ext cx="8686800" cy="5212080"/>
-          </a:xfrm>
-        </p:spPr>
-        <p:txBody>
-          <a:bodyPr>
-            <a:normAutofit/>
-          </a:bodyPr>
-          <a:lstStyle/>
-          <a:p>
-            <a:pPr marL="342900" indent="-342900">
-              <a:buFont typeface="Arial" panose="020B0604020202020204" pitchFamily="34" charset="0"/>
-              <a:buChar char="•"/>
-            </a:pPr>
-            <a:endParaRPr lang="en-US" dirty="0"/>
-          </a:p>
-        </p:txBody>
-      </p:sp>
-    </p:spTree>
-    <p:extLst>
-      <p:ext uri="{BB962C8B-B14F-4D97-AF65-F5344CB8AC3E}">
-        <p14:creationId xmlns:p14="http://schemas.microsoft.com/office/powerpoint/2010/main" val="1968700814"/>
-      </p:ext>
-    </p:extLst>
-  </p:cSld>
-  <p:clrMapOvr>
-    <a:masterClrMapping/>
-  </p:clrMapOvr>
-</p:sld>
-</file>
-
-<file path=ppt/slides/slide8.xml><?xml version="1.0" encoding="utf-8"?>
-<p:sld xmlns:a="http://schemas.openxmlformats.org/drawingml/2006/main" xmlns:r="http://schemas.openxmlformats.org/officeDocument/2006/relationships" xmlns:p="http://schemas.openxmlformats.org/presentationml/2006/main">
-  <p:cSld>
-    <p:spTree>
-      <p:nvGrpSpPr>
-        <p:cNvPr id="1" name=""/>
-        <p:cNvGrpSpPr/>
-        <p:nvPr/>
-      </p:nvGrpSpPr>
-      <p:grpSpPr>
-        <a:xfrm>
-          <a:off x="0" y="0"/>
-          <a:ext cx="0" cy="0"/>
-          <a:chOff x="0" y="0"/>
-          <a:chExt cx="0" cy="0"/>
-        </a:xfrm>
-      </p:grpSpPr>
-      <p:sp>
-        <p:nvSpPr>
-          <p:cNvPr id="2" name="Title 1">
-            <a:extLst>
-              <a:ext uri="{FF2B5EF4-FFF2-40B4-BE49-F238E27FC236}">
-                <a16:creationId xmlns:a16="http://schemas.microsoft.com/office/drawing/2014/main" id="{B6E787CD-8900-4781-B56F-0E4327E55DD7}"/>
-              </a:ext>
-            </a:extLst>
-          </p:cNvPr>
-          <p:cNvSpPr>
-            <a:spLocks noGrp="1"/>
-          </p:cNvSpPr>
-          <p:nvPr>
-            <p:ph type="title"/>
-          </p:nvPr>
-        </p:nvSpPr>
-        <p:spPr/>
-        <p:txBody>
-          <a:bodyPr/>
-          <a:lstStyle/>
-          <a:p>
-            <a:r>
-              <a:rPr lang="en-US" dirty="0"/>
-              <a:t>CLONING</a:t>
-            </a:r>
-          </a:p>
-        </p:txBody>
-      </p:sp>
-      <p:sp>
-        <p:nvSpPr>
-          <p:cNvPr id="7" name="Content Placeholder 6">
-            <a:extLst>
-              <a:ext uri="{FF2B5EF4-FFF2-40B4-BE49-F238E27FC236}">
-                <a16:creationId xmlns:a16="http://schemas.microsoft.com/office/drawing/2014/main" id="{77CE80C9-F156-444A-A5EF-9FD12F0E4770}"/>
-              </a:ext>
-            </a:extLst>
-          </p:cNvPr>
-          <p:cNvSpPr>
-            <a:spLocks noGrp="1"/>
-          </p:cNvSpPr>
-          <p:nvPr>
-            <p:ph idx="1"/>
-          </p:nvPr>
-        </p:nvSpPr>
-        <p:spPr>
-          <a:xfrm>
-            <a:off x="228600" y="1306047"/>
-            <a:ext cx="8686800" cy="5212080"/>
-          </a:xfrm>
-        </p:spPr>
-        <p:txBody>
-          <a:bodyPr>
-            <a:normAutofit/>
-          </a:bodyPr>
-          <a:lstStyle/>
-          <a:p>
-            <a:pPr marL="342900" indent="-342900">
-              <a:buFont typeface="Arial" panose="020B0604020202020204" pitchFamily="34" charset="0"/>
-              <a:buChar char="•"/>
-            </a:pPr>
-            <a:endParaRPr lang="en-US" dirty="0"/>
-          </a:p>
-        </p:txBody>
-      </p:sp>
-    </p:spTree>
-    <p:extLst>
-      <p:ext uri="{BB962C8B-B14F-4D97-AF65-F5344CB8AC3E}">
-        <p14:creationId xmlns:p14="http://schemas.microsoft.com/office/powerpoint/2010/main" val="2768349413"/>
-      </p:ext>
-    </p:extLst>
-  </p:cSld>
-  <p:clrMapOvr>
-    <a:masterClrMapping/>
-  </p:clrMapOvr>
-</p:sld>
-</file>
-
-<file path=ppt/slides/slide9.xml><?xml version="1.0" encoding="utf-8"?>
-<p:sld xmlns:a="http://schemas.openxmlformats.org/drawingml/2006/main" xmlns:r="http://schemas.openxmlformats.org/officeDocument/2006/relationships" xmlns:p="http://schemas.openxmlformats.org/presentationml/2006/main">
-  <p:cSld>
-    <p:spTree>
-      <p:nvGrpSpPr>
-        <p:cNvPr id="1" name=""/>
-        <p:cNvGrpSpPr/>
-        <p:nvPr/>
-      </p:nvGrpSpPr>
-      <p:grpSpPr>
-        <a:xfrm>
-          <a:off x="0" y="0"/>
-          <a:ext cx="0" cy="0"/>
-          <a:chOff x="0" y="0"/>
-          <a:chExt cx="0" cy="0"/>
-        </a:xfrm>
-      </p:grpSpPr>
-      <p:sp>
-        <p:nvSpPr>
-          <p:cNvPr id="2" name="Title 1">
-            <a:extLst>
-              <a:ext uri="{FF2B5EF4-FFF2-40B4-BE49-F238E27FC236}">
-                <a16:creationId xmlns:a16="http://schemas.microsoft.com/office/drawing/2014/main" id="{B6E787CD-8900-4781-B56F-0E4327E55DD7}"/>
-              </a:ext>
-            </a:extLst>
-          </p:cNvPr>
-          <p:cNvSpPr>
-            <a:spLocks noGrp="1"/>
-          </p:cNvSpPr>
-          <p:nvPr>
-            <p:ph type="title"/>
-          </p:nvPr>
-        </p:nvSpPr>
-        <p:spPr/>
-        <p:txBody>
-          <a:bodyPr/>
-          <a:lstStyle/>
-          <a:p>
-            <a:r>
-              <a:rPr lang="en-US" dirty="0"/>
-              <a:t>TIME TRAVEL</a:t>
-            </a:r>
-          </a:p>
-        </p:txBody>
-      </p:sp>
-      <p:sp>
-        <p:nvSpPr>
-          <p:cNvPr id="7" name="Content Placeholder 6">
-            <a:extLst>
-              <a:ext uri="{FF2B5EF4-FFF2-40B4-BE49-F238E27FC236}">
-                <a16:creationId xmlns:a16="http://schemas.microsoft.com/office/drawing/2014/main" id="{77CE80C9-F156-444A-A5EF-9FD12F0E4770}"/>
-              </a:ext>
-            </a:extLst>
-          </p:cNvPr>
-          <p:cNvSpPr>
-            <a:spLocks noGrp="1"/>
-          </p:cNvSpPr>
-          <p:nvPr>
-            <p:ph idx="1"/>
-          </p:nvPr>
-        </p:nvSpPr>
-        <p:spPr>
-          <a:xfrm>
-            <a:off x="228600" y="1306047"/>
-            <a:ext cx="8686800" cy="5212080"/>
-          </a:xfrm>
-        </p:spPr>
-        <p:txBody>
-          <a:bodyPr>
-            <a:normAutofit/>
-          </a:bodyPr>
-          <a:lstStyle/>
-          <a:p>
-            <a:pPr marL="342900" indent="-342900">
-              <a:buFont typeface="Arial" panose="020B0604020202020204" pitchFamily="34" charset="0"/>
-              <a:buChar char="•"/>
-            </a:pPr>
-            <a:endParaRPr lang="en-US" dirty="0"/>
-          </a:p>
-        </p:txBody>
-      </p:sp>
-    </p:spTree>
-    <p:extLst>
-      <p:ext uri="{BB962C8B-B14F-4D97-AF65-F5344CB8AC3E}">
-        <p14:creationId xmlns:p14="http://schemas.microsoft.com/office/powerpoint/2010/main" val="3295755869"/>
+        <p14:creationId xmlns:p14="http://schemas.microsoft.com/office/powerpoint/2010/main" val="3872155874"/>
       </p:ext>
     </p:extLst>
   </p:cSld>
@@ -13876,6 +11911,15 @@
 </file>
 
 <file path=customXml/item2.xml><?xml version="1.0" encoding="utf-8"?>
+<?mso-contentType ?>
+<FormTemplates xmlns="http://schemas.microsoft.com/sharepoint/v3/contenttype/forms">
+  <Display>DocumentLibraryForm</Display>
+  <Edit>DocumentLibraryForm</Edit>
+  <New>DocumentLibraryForm</New>
+</FormTemplates>
+</file>
+
+<file path=customXml/item3.xml><?xml version="1.0" encoding="utf-8"?>
 <ct:contentTypeSchema xmlns:ct="http://schemas.microsoft.com/office/2006/metadata/contentType" xmlns:ma="http://schemas.microsoft.com/office/2006/metadata/properties/metaAttributes" ct:_="" ma:_="" ma:contentTypeName="Document" ma:contentTypeID="0x0101002DC4A9AAD240914A82543763ED203729" ma:contentTypeVersion="12" ma:contentTypeDescription="Create a new document." ma:contentTypeScope="" ma:versionID="9b5fe49fef3aba4b2ccc8f34aa9c1adb">
   <xsd:schema xmlns:xsd="http://www.w3.org/2001/XMLSchema" xmlns:xs="http://www.w3.org/2001/XMLSchema" xmlns:p="http://schemas.microsoft.com/office/2006/metadata/properties" xmlns:ns1="http://schemas.microsoft.com/sharepoint/v3" xmlns:ns3="8326d037-3a48-4cd0-a6ef-93c4e5fe6454" xmlns:ns4="851da4ac-4006-4c2e-9849-01039a103cfd" xmlns:ns5="7f6939a6-186a-4de5-8ed2-bf95008c2f2b" targetNamespace="http://schemas.microsoft.com/office/2006/metadata/properties" ma:root="true" ma:fieldsID="04cf45be7dec8b4c42a686052017b708" ns1:_="" ns3:_="" ns4:_="" ns5:_="">
     <xsd:import namespace="http://schemas.microsoft.com/sharepoint/v3"/>
@@ -14100,35 +12144,34 @@
 </ct:contentTypeSchema>
 </file>
 
-<file path=customXml/item3.xml><?xml version="1.0" encoding="utf-8"?>
-<?mso-contentType ?>
-<FormTemplates xmlns="http://schemas.microsoft.com/sharepoint/v3/contenttype/forms">
-  <Display>DocumentLibraryForm</Display>
-  <Edit>DocumentLibraryForm</Edit>
-  <New>DocumentLibraryForm</New>
-</FormTemplates>
-</file>
-
 <file path=customXml/itemProps1.xml><?xml version="1.0" encoding="utf-8"?>
 <ds:datastoreItem xmlns:ds="http://schemas.openxmlformats.org/officeDocument/2006/customXml" ds:itemID="{DF05A4AB-9851-4401-9B08-3A95642B8435}">
   <ds:schemaRefs>
-    <ds:schemaRef ds:uri="http://schemas.openxmlformats.org/package/2006/metadata/core-properties"/>
     <ds:schemaRef ds:uri="http://purl.org/dc/dcmitype/"/>
     <ds:schemaRef ds:uri="http://schemas.microsoft.com/office/infopath/2007/PartnerControls"/>
+    <ds:schemaRef ds:uri="http://schemas.microsoft.com/office/2006/documentManagement/types"/>
+    <ds:schemaRef ds:uri="851da4ac-4006-4c2e-9849-01039a103cfd"/>
+    <ds:schemaRef ds:uri="7f6939a6-186a-4de5-8ed2-bf95008c2f2b"/>
+    <ds:schemaRef ds:uri="http://schemas.microsoft.com/sharepoint/v3"/>
     <ds:schemaRef ds:uri="http://purl.org/dc/elements/1.1/"/>
+    <ds:schemaRef ds:uri="http://schemas.openxmlformats.org/package/2006/metadata/core-properties"/>
+    <ds:schemaRef ds:uri="http://purl.org/dc/terms/"/>
+    <ds:schemaRef ds:uri="8326d037-3a48-4cd0-a6ef-93c4e5fe6454"/>
     <ds:schemaRef ds:uri="http://schemas.microsoft.com/office/2006/metadata/properties"/>
-    <ds:schemaRef ds:uri="851da4ac-4006-4c2e-9849-01039a103cfd"/>
-    <ds:schemaRef ds:uri="http://schemas.microsoft.com/office/2006/documentManagement/types"/>
-    <ds:schemaRef ds:uri="http://schemas.microsoft.com/sharepoint/v3"/>
-    <ds:schemaRef ds:uri="http://purl.org/dc/terms/"/>
-    <ds:schemaRef ds:uri="7f6939a6-186a-4de5-8ed2-bf95008c2f2b"/>
-    <ds:schemaRef ds:uri="8326d037-3a48-4cd0-a6ef-93c4e5fe6454"/>
     <ds:schemaRef ds:uri="http://www.w3.org/XML/1998/namespace"/>
   </ds:schemaRefs>
 </ds:datastoreItem>
 </file>
 
 <file path=customXml/itemProps2.xml><?xml version="1.0" encoding="utf-8"?>
+<ds:datastoreItem xmlns:ds="http://schemas.openxmlformats.org/officeDocument/2006/customXml" ds:itemID="{4912DC36-03CB-4739-ADFE-E81AB6D38636}">
+  <ds:schemaRefs>
+    <ds:schemaRef ds:uri="http://schemas.microsoft.com/sharepoint/v3/contenttype/forms"/>
+  </ds:schemaRefs>
+</ds:datastoreItem>
+</file>
+
+<file path=customXml/itemProps3.xml><?xml version="1.0" encoding="utf-8"?>
 <ds:datastoreItem xmlns:ds="http://schemas.openxmlformats.org/officeDocument/2006/customXml" ds:itemID="{9E820DD2-FAD9-4F93-BCE6-412B6C28DB4B}">
   <ds:schemaRefs>
     <ds:schemaRef ds:uri="http://schemas.microsoft.com/office/2006/metadata/contentType"/>
@@ -14147,12 +12190,4 @@
     <ds:schemaRef ds:uri="http://schemas.microsoft.com/internal/obd"/>
   </ds:schemaRefs>
 </ds:datastoreItem>
-</file>
-
-<file path=customXml/itemProps3.xml><?xml version="1.0" encoding="utf-8"?>
-<ds:datastoreItem xmlns:ds="http://schemas.openxmlformats.org/officeDocument/2006/customXml" ds:itemID="{4912DC36-03CB-4739-ADFE-E81AB6D38636}">
-  <ds:schemaRefs>
-    <ds:schemaRef ds:uri="http://schemas.microsoft.com/sharepoint/v3/contenttype/forms"/>
-  </ds:schemaRefs>
-</ds:datastoreItem>
 </file>